--- a/Презентация проект УСП.pptx
+++ b/Презентация проект УСП.pptx
@@ -10,6 +10,11 @@
     <p:sldId id="258" r:id="rId4"/>
     <p:sldId id="259" r:id="rId5"/>
     <p:sldId id="260" r:id="rId6"/>
+    <p:sldId id="261" r:id="rId7"/>
+    <p:sldId id="262" r:id="rId8"/>
+    <p:sldId id="263" r:id="rId9"/>
+    <p:sldId id="264" r:id="rId10"/>
+    <p:sldId id="265" r:id="rId11"/>
   </p:sldIdLst>
   <p:sldSz cx="12192000" cy="6858000"/>
   <p:notesSz cx="6858000" cy="9144000"/>
@@ -108,6 +113,11 @@
       </a:defRPr>
     </a:lvl9pPr>
   </p:defaultTextStyle>
+  <p:extLst>
+    <p:ext uri="{EFAFB233-063F-42B5-8137-9DF3F51BA10A}">
+      <p15:sldGuideLst xmlns:p15="http://schemas.microsoft.com/office/powerpoint/2012/main"/>
+    </p:ext>
+  </p:extLst>
 </p:presentation>
 </file>
 
@@ -206,7 +216,7 @@
           <a:effectLst/>
           <a:extLst>
             <a:ext uri="{91240B29-F687-4f45-9708-019B960494DF}">
-              <a14:hiddenLine xmlns:a14="http://schemas.microsoft.com/office/drawing/2010/main" xmlns="" w="9525">
+              <a14:hiddenLine xmlns="" xmlns:a14="http://schemas.microsoft.com/office/drawing/2010/main" w="9525">
                 <a:solidFill>
                   <a:srgbClr val="000000"/>
                 </a:solidFill>
@@ -1728,7 +1738,7 @@
           <a:ln/>
           <a:extLst>
             <a:ext uri="{91240B29-F687-4f45-9708-019B960494DF}">
-              <a14:hiddenLine xmlns:a14="http://schemas.microsoft.com/office/drawing/2010/main" xmlns="" w="9525">
+              <a14:hiddenLine xmlns="" xmlns:a14="http://schemas.microsoft.com/office/drawing/2010/main" w="9525">
                 <a:solidFill>
                   <a:srgbClr val="000000"/>
                 </a:solidFill>
@@ -2003,7 +2013,7 @@
           <a:ln/>
           <a:extLst>
             <a:ext uri="{91240B29-F687-4f45-9708-019B960494DF}">
-              <a14:hiddenLine xmlns:a14="http://schemas.microsoft.com/office/drawing/2010/main" xmlns="" w="9525">
+              <a14:hiddenLine xmlns="" xmlns:a14="http://schemas.microsoft.com/office/drawing/2010/main" w="9525">
                 <a:solidFill>
                   <a:srgbClr val="000000"/>
                 </a:solidFill>
@@ -2286,7 +2296,7 @@
           <a:ln/>
           <a:extLst>
             <a:ext uri="{91240B29-F687-4f45-9708-019B960494DF}">
-              <a14:hiddenLine xmlns:a14="http://schemas.microsoft.com/office/drawing/2010/main" xmlns="" w="9525">
+              <a14:hiddenLine xmlns="" xmlns:a14="http://schemas.microsoft.com/office/drawing/2010/main" w="9525">
                 <a:solidFill>
                   <a:srgbClr val="000000"/>
                 </a:solidFill>
@@ -2912,7 +2922,7 @@
           <a:ln/>
           <a:extLst>
             <a:ext uri="{91240B29-F687-4f45-9708-019B960494DF}">
-              <a14:hiddenLine xmlns:a14="http://schemas.microsoft.com/office/drawing/2010/main" xmlns="" w="9525">
+              <a14:hiddenLine xmlns="" xmlns:a14="http://schemas.microsoft.com/office/drawing/2010/main" w="9525">
                 <a:solidFill>
                   <a:srgbClr val="000000"/>
                 </a:solidFill>
@@ -3251,7 +3261,7 @@
           <a:ln/>
           <a:extLst>
             <a:ext uri="{91240B29-F687-4f45-9708-019B960494DF}">
-              <a14:hiddenLine xmlns:a14="http://schemas.microsoft.com/office/drawing/2010/main" xmlns="" w="9525">
+              <a14:hiddenLine xmlns="" xmlns:a14="http://schemas.microsoft.com/office/drawing/2010/main" w="9525">
                 <a:solidFill>
                   <a:srgbClr val="000000"/>
                 </a:solidFill>
@@ -3728,7 +3738,7 @@
           <a:ln/>
           <a:extLst>
             <a:ext uri="{91240B29-F687-4f45-9708-019B960494DF}">
-              <a14:hiddenLine xmlns:a14="http://schemas.microsoft.com/office/drawing/2010/main" xmlns="" w="9525">
+              <a14:hiddenLine xmlns="" xmlns:a14="http://schemas.microsoft.com/office/drawing/2010/main" w="9525">
                 <a:solidFill>
                   <a:srgbClr val="000000"/>
                 </a:solidFill>
@@ -4157,7 +4167,7 @@
           <a:ln/>
           <a:extLst>
             <a:ext uri="{91240B29-F687-4f45-9708-019B960494DF}">
-              <a14:hiddenLine xmlns:a14="http://schemas.microsoft.com/office/drawing/2010/main" xmlns="" w="9525">
+              <a14:hiddenLine xmlns="" xmlns:a14="http://schemas.microsoft.com/office/drawing/2010/main" w="9525">
                 <a:solidFill>
                   <a:srgbClr val="000000"/>
                 </a:solidFill>
@@ -5407,7 +5417,6 @@
               <a:rPr lang="bg-BG" dirty="0"/>
               <a:t>Система за търсене на автомобили</a:t>
             </a:r>
-            <a:endParaRPr lang="bg-BG" dirty="0"/>
           </a:p>
         </p:txBody>
       </p:sp>
@@ -5443,6 +5452,283 @@
     <p:extLst>
       <p:ext uri="{BB962C8B-B14F-4D97-AF65-F5344CB8AC3E}">
         <p14:creationId xmlns:p14="http://schemas.microsoft.com/office/powerpoint/2010/main" val="1656034422"/>
+      </p:ext>
+    </p:extLst>
+  </p:cSld>
+  <p:clrMapOvr>
+    <a:masterClrMapping/>
+  </p:clrMapOvr>
+</p:sld>
+</file>
+
+<file path=ppt/slides/slide10.xml><?xml version="1.0" encoding="utf-8"?>
+<p:sld xmlns:a="http://schemas.openxmlformats.org/drawingml/2006/main" xmlns:r="http://schemas.openxmlformats.org/officeDocument/2006/relationships" xmlns:p="http://schemas.openxmlformats.org/presentationml/2006/main">
+  <p:cSld>
+    <p:spTree>
+      <p:nvGrpSpPr>
+        <p:cNvPr id="1" name=""/>
+        <p:cNvGrpSpPr/>
+        <p:nvPr/>
+      </p:nvGrpSpPr>
+      <p:grpSpPr>
+        <a:xfrm>
+          <a:off x="0" y="0"/>
+          <a:ext cx="0" cy="0"/>
+          <a:chOff x="0" y="0"/>
+          <a:chExt cx="0" cy="0"/>
+        </a:xfrm>
+      </p:grpSpPr>
+      <p:sp>
+        <p:nvSpPr>
+          <p:cNvPr id="2" name="Title 1"/>
+          <p:cNvSpPr>
+            <a:spLocks noGrp="1"/>
+          </p:cNvSpPr>
+          <p:nvPr>
+            <p:ph type="title"/>
+          </p:nvPr>
+        </p:nvSpPr>
+        <p:spPr/>
+        <p:txBody>
+          <a:bodyPr/>
+          <a:lstStyle/>
+          <a:p>
+            <a:endParaRPr lang="bg-BG"/>
+          </a:p>
+        </p:txBody>
+      </p:sp>
+      <p:sp>
+        <p:nvSpPr>
+          <p:cNvPr id="3" name="Content Placeholder 2"/>
+          <p:cNvSpPr>
+            <a:spLocks noGrp="1"/>
+          </p:cNvSpPr>
+          <p:nvPr>
+            <p:ph idx="1"/>
+          </p:nvPr>
+        </p:nvSpPr>
+        <p:spPr>
+          <a:xfrm>
+            <a:off x="300552" y="2042161"/>
+            <a:ext cx="10554574" cy="4526280"/>
+          </a:xfrm>
+        </p:spPr>
+        <p:txBody>
+          <a:bodyPr>
+            <a:normAutofit fontScale="92500" lnSpcReduction="20000"/>
+          </a:bodyPr>
+          <a:lstStyle/>
+          <a:p>
+            <a:r>
+              <a:rPr lang="bg-BG" sz="2100" b="1" dirty="0" err="1" smtClean="0"/>
+              <a:t>Front-end</a:t>
+            </a:r>
+            <a:r>
+              <a:rPr lang="bg-BG" sz="2100" b="1" dirty="0"/>
+              <a:t>:</a:t>
+            </a:r>
+          </a:p>
+          <a:p>
+            <a:pPr lvl="0"/>
+            <a:r>
+              <a:rPr lang="bg-BG" dirty="0"/>
+              <a:t>HTML (</a:t>
+            </a:r>
+            <a:r>
+              <a:rPr lang="bg-BG" dirty="0" err="1"/>
+              <a:t>HyperText</a:t>
+            </a:r>
+            <a:r>
+              <a:rPr lang="bg-BG" dirty="0"/>
+              <a:t> </a:t>
+            </a:r>
+            <a:r>
+              <a:rPr lang="bg-BG" dirty="0" err="1"/>
+              <a:t>Markup</a:t>
+            </a:r>
+            <a:r>
+              <a:rPr lang="bg-BG" dirty="0"/>
+              <a:t> </a:t>
+            </a:r>
+            <a:r>
+              <a:rPr lang="bg-BG" dirty="0" err="1"/>
+              <a:t>Language</a:t>
+            </a:r>
+            <a:r>
+              <a:rPr lang="bg-BG" dirty="0"/>
+              <a:t>): Използва се за създаване на структура и семантика на уеб страниците.</a:t>
+            </a:r>
+          </a:p>
+          <a:p>
+            <a:pPr lvl="0"/>
+            <a:r>
+              <a:rPr lang="bg-BG" dirty="0"/>
+              <a:t>CSS (</a:t>
+            </a:r>
+            <a:r>
+              <a:rPr lang="bg-BG" dirty="0" err="1"/>
+              <a:t>Cascading</a:t>
+            </a:r>
+            <a:r>
+              <a:rPr lang="bg-BG" dirty="0"/>
+              <a:t> </a:t>
+            </a:r>
+            <a:r>
+              <a:rPr lang="bg-BG" dirty="0" err="1"/>
+              <a:t>Style</a:t>
+            </a:r>
+            <a:r>
+              <a:rPr lang="bg-BG" dirty="0"/>
+              <a:t> </a:t>
+            </a:r>
+            <a:r>
+              <a:rPr lang="bg-BG" dirty="0" err="1"/>
+              <a:t>Sheets</a:t>
+            </a:r>
+            <a:r>
+              <a:rPr lang="bg-BG" dirty="0"/>
+              <a:t>): Използва се за стилизиране и визуално оформление на уеб страници.</a:t>
+            </a:r>
+          </a:p>
+          <a:p>
+            <a:pPr lvl="0"/>
+            <a:r>
+              <a:rPr lang="bg-BG" dirty="0" err="1"/>
+              <a:t>jQuery</a:t>
+            </a:r>
+            <a:r>
+              <a:rPr lang="bg-BG" dirty="0"/>
+              <a:t>: </a:t>
+            </a:r>
+            <a:r>
+              <a:rPr lang="bg-BG" dirty="0" err="1"/>
+              <a:t>JavaScript</a:t>
+            </a:r>
+            <a:r>
+              <a:rPr lang="bg-BG" dirty="0"/>
+              <a:t> библиотека, която предоставя множество функции и методи за улесняване на манипулациите с DOM елементите и обработка на събития.</a:t>
+            </a:r>
+          </a:p>
+          <a:p>
+            <a:pPr lvl="0"/>
+            <a:r>
+              <a:rPr lang="bg-BG" dirty="0" err="1"/>
+              <a:t>Visual</a:t>
+            </a:r>
+            <a:r>
+              <a:rPr lang="bg-BG" dirty="0"/>
+              <a:t> </a:t>
+            </a:r>
+            <a:r>
+              <a:rPr lang="bg-BG" dirty="0" err="1"/>
+              <a:t>Studio</a:t>
+            </a:r>
+            <a:r>
+              <a:rPr lang="bg-BG" dirty="0"/>
+              <a:t> </a:t>
+            </a:r>
+            <a:r>
+              <a:rPr lang="bg-BG" dirty="0" err="1"/>
+              <a:t>Code</a:t>
+            </a:r>
+            <a:r>
+              <a:rPr lang="bg-BG" dirty="0"/>
+              <a:t> (VS </a:t>
+            </a:r>
+            <a:r>
+              <a:rPr lang="bg-BG" dirty="0" err="1"/>
+              <a:t>Code</a:t>
+            </a:r>
+            <a:r>
+              <a:rPr lang="bg-BG" dirty="0"/>
+              <a:t>): Лека и мощна IDE, която предоставя инструменти за разработка на уеб приложения, включително поддръжка на HTML, CSS и </a:t>
+            </a:r>
+            <a:r>
+              <a:rPr lang="bg-BG" dirty="0" err="1"/>
+              <a:t>JavaScript</a:t>
+            </a:r>
+            <a:r>
+              <a:rPr lang="bg-BG" dirty="0"/>
+              <a:t>.</a:t>
+            </a:r>
+          </a:p>
+          <a:p>
+            <a:r>
+              <a:rPr lang="bg-BG" sz="2100" b="1" dirty="0" err="1"/>
+              <a:t>Back-end</a:t>
+            </a:r>
+            <a:r>
+              <a:rPr lang="bg-BG" sz="2100" b="1" dirty="0"/>
+              <a:t>:</a:t>
+            </a:r>
+          </a:p>
+          <a:p>
+            <a:pPr lvl="0"/>
+            <a:r>
+              <a:rPr lang="bg-BG" dirty="0"/>
+              <a:t>PHP: Скриптов език за уеб разработка, който се използва за създаване на динамични уеб страници и уеб приложения.</a:t>
+            </a:r>
+          </a:p>
+          <a:p>
+            <a:pPr lvl="0"/>
+            <a:r>
+              <a:rPr lang="bg-BG" dirty="0" err="1"/>
+              <a:t>MySQL</a:t>
+            </a:r>
+            <a:r>
+              <a:rPr lang="bg-BG" dirty="0"/>
+              <a:t>: Релационна база данни, която се използва за съхранение и управление на данните на приложението.</a:t>
+            </a:r>
+          </a:p>
+          <a:p>
+            <a:pPr lvl="0"/>
+            <a:r>
+              <a:rPr lang="bg-BG" dirty="0" err="1"/>
+              <a:t>Visual</a:t>
+            </a:r>
+            <a:r>
+              <a:rPr lang="bg-BG" dirty="0"/>
+              <a:t> </a:t>
+            </a:r>
+            <a:r>
+              <a:rPr lang="bg-BG" dirty="0" err="1"/>
+              <a:t>Studio</a:t>
+            </a:r>
+            <a:r>
+              <a:rPr lang="bg-BG" dirty="0"/>
+              <a:t> </a:t>
+            </a:r>
+            <a:r>
+              <a:rPr lang="bg-BG" dirty="0" err="1"/>
+              <a:t>Code</a:t>
+            </a:r>
+            <a:r>
+              <a:rPr lang="bg-BG" dirty="0"/>
+              <a:t> (VS </a:t>
+            </a:r>
+            <a:r>
+              <a:rPr lang="bg-BG" dirty="0" err="1"/>
+              <a:t>Code</a:t>
+            </a:r>
+            <a:r>
+              <a:rPr lang="bg-BG" dirty="0"/>
+              <a:t>): Предоставя удобна среда за разработка на PHP и интеграция с </a:t>
+            </a:r>
+            <a:r>
+              <a:rPr lang="bg-BG" dirty="0" err="1"/>
+              <a:t>MySQL</a:t>
+            </a:r>
+            <a:r>
+              <a:rPr lang="bg-BG" dirty="0"/>
+              <a:t> бази данни.</a:t>
+            </a:r>
+          </a:p>
+        </p:txBody>
+      </p:sp>
+    </p:spTree>
+    <p:extLst>
+      <p:ext uri="{BB962C8B-B14F-4D97-AF65-F5344CB8AC3E}">
+        <p14:creationId xmlns:p14="http://schemas.microsoft.com/office/powerpoint/2010/main" val="2635756880"/>
       </p:ext>
     </p:extLst>
   </p:cSld>
@@ -5979,6 +6265,689 @@
     <p:extLst>
       <p:ext uri="{BB962C8B-B14F-4D97-AF65-F5344CB8AC3E}">
         <p14:creationId xmlns:p14="http://schemas.microsoft.com/office/powerpoint/2010/main" val="4164381343"/>
+      </p:ext>
+    </p:extLst>
+  </p:cSld>
+  <p:clrMapOvr>
+    <a:masterClrMapping/>
+  </p:clrMapOvr>
+</p:sld>
+</file>
+
+<file path=ppt/slides/slide6.xml><?xml version="1.0" encoding="utf-8"?>
+<p:sld xmlns:a="http://schemas.openxmlformats.org/drawingml/2006/main" xmlns:r="http://schemas.openxmlformats.org/officeDocument/2006/relationships" xmlns:p="http://schemas.openxmlformats.org/presentationml/2006/main">
+  <p:cSld>
+    <p:spTree>
+      <p:nvGrpSpPr>
+        <p:cNvPr id="1" name=""/>
+        <p:cNvGrpSpPr/>
+        <p:nvPr/>
+      </p:nvGrpSpPr>
+      <p:grpSpPr>
+        <a:xfrm>
+          <a:off x="0" y="0"/>
+          <a:ext cx="0" cy="0"/>
+          <a:chOff x="0" y="0"/>
+          <a:chExt cx="0" cy="0"/>
+        </a:xfrm>
+      </p:grpSpPr>
+      <p:sp>
+        <p:nvSpPr>
+          <p:cNvPr id="2" name="Title 1"/>
+          <p:cNvSpPr>
+            <a:spLocks noGrp="1"/>
+          </p:cNvSpPr>
+          <p:nvPr>
+            <p:ph type="title"/>
+          </p:nvPr>
+        </p:nvSpPr>
+        <p:spPr/>
+        <p:txBody>
+          <a:bodyPr/>
+          <a:lstStyle/>
+          <a:p>
+            <a:r>
+              <a:rPr lang="en-US" dirty="0" smtClean="0"/>
+              <a:t>Agile </a:t>
+            </a:r>
+            <a:r>
+              <a:rPr lang="bg-BG" dirty="0" smtClean="0"/>
+              <a:t>методология</a:t>
+            </a:r>
+            <a:endParaRPr lang="bg-BG" dirty="0"/>
+          </a:p>
+        </p:txBody>
+      </p:sp>
+      <p:sp>
+        <p:nvSpPr>
+          <p:cNvPr id="3" name="Content Placeholder 2"/>
+          <p:cNvSpPr>
+            <a:spLocks noGrp="1"/>
+          </p:cNvSpPr>
+          <p:nvPr>
+            <p:ph idx="1"/>
+          </p:nvPr>
+        </p:nvSpPr>
+        <p:spPr>
+          <a:xfrm>
+            <a:off x="73890" y="4285672"/>
+            <a:ext cx="12192000" cy="2466109"/>
+          </a:xfrm>
+        </p:spPr>
+        <p:txBody>
+          <a:bodyPr/>
+          <a:lstStyle/>
+          <a:p>
+            <a:pPr marL="0" indent="0">
+              <a:buNone/>
+            </a:pPr>
+            <a:r>
+              <a:rPr lang="en-US" dirty="0"/>
+              <a:t>Agile </a:t>
+            </a:r>
+            <a:r>
+              <a:rPr lang="bg-BG" dirty="0"/>
+              <a:t>е методологията, която избрахме ние. Тя се фокусира върху гъвкавостта, прозрачността и непрекъснатото взаимодействие с клиента. Тя се основава на набор от принципи и практики, които подкрепят сътрудничеството между разработчиците и клиента и насърчават бързата итеративна разработка. Тази методология е изключително гъвкава и позволява на екипите да се приспособяват към променящите се изисквания и условия. Това е особено полезно в динамични и бързо променящи се среди, където изискванията могат да се променят по време на разработката.</a:t>
+            </a:r>
+          </a:p>
+        </p:txBody>
+      </p:sp>
+      <p:pic>
+        <p:nvPicPr>
+          <p:cNvPr id="1028" name="Picture 4" descr="Agile Logo Stock Illustrations – 1,725 Agile Logo Stock Illustrations,  Vectors &amp; Clipart - Dreamstime"/>
+          <p:cNvPicPr>
+            <a:picLocks noChangeAspect="1" noChangeArrowheads="1"/>
+          </p:cNvPicPr>
+          <p:nvPr/>
+        </p:nvPicPr>
+        <p:blipFill>
+          <a:blip r:embed="rId2" cstate="print">
+            <a:extLst>
+              <a:ext uri="{28A0092B-C50C-407E-A947-70E740481C1C}">
+                <a14:useLocalDpi xmlns:a14="http://schemas.microsoft.com/office/drawing/2010/main" val="0"/>
+              </a:ext>
+            </a:extLst>
+          </a:blip>
+          <a:srcRect/>
+          <a:stretch>
+            <a:fillRect/>
+          </a:stretch>
+        </p:blipFill>
+        <p:spPr bwMode="auto">
+          <a:xfrm>
+            <a:off x="5142777" y="2231447"/>
+            <a:ext cx="2054225" cy="2054225"/>
+          </a:xfrm>
+          <a:prstGeom prst="rect">
+            <a:avLst/>
+          </a:prstGeom>
+          <a:noFill/>
+          <a:extLst>
+            <a:ext uri="{909E8E84-426E-40DD-AFC4-6F175D3DCCD1}">
+              <a14:hiddenFill xmlns:a14="http://schemas.microsoft.com/office/drawing/2010/main">
+                <a:solidFill>
+                  <a:srgbClr val="FFFFFF"/>
+                </a:solidFill>
+              </a14:hiddenFill>
+            </a:ext>
+          </a:extLst>
+        </p:spPr>
+      </p:pic>
+    </p:spTree>
+    <p:extLst>
+      <p:ext uri="{BB962C8B-B14F-4D97-AF65-F5344CB8AC3E}">
+        <p14:creationId xmlns:p14="http://schemas.microsoft.com/office/powerpoint/2010/main" val="3386018472"/>
+      </p:ext>
+    </p:extLst>
+  </p:cSld>
+  <p:clrMapOvr>
+    <a:masterClrMapping/>
+  </p:clrMapOvr>
+</p:sld>
+</file>
+
+<file path=ppt/slides/slide7.xml><?xml version="1.0" encoding="utf-8"?>
+<p:sld xmlns:a="http://schemas.openxmlformats.org/drawingml/2006/main" xmlns:r="http://schemas.openxmlformats.org/officeDocument/2006/relationships" xmlns:p="http://schemas.openxmlformats.org/presentationml/2006/main">
+  <p:cSld>
+    <p:spTree>
+      <p:nvGrpSpPr>
+        <p:cNvPr id="1" name=""/>
+        <p:cNvGrpSpPr/>
+        <p:nvPr/>
+      </p:nvGrpSpPr>
+      <p:grpSpPr>
+        <a:xfrm>
+          <a:off x="0" y="0"/>
+          <a:ext cx="0" cy="0"/>
+          <a:chOff x="0" y="0"/>
+          <a:chExt cx="0" cy="0"/>
+        </a:xfrm>
+      </p:grpSpPr>
+      <p:sp>
+        <p:nvSpPr>
+          <p:cNvPr id="2" name="Title 1"/>
+          <p:cNvSpPr>
+            <a:spLocks noGrp="1"/>
+          </p:cNvSpPr>
+          <p:nvPr>
+            <p:ph type="title"/>
+          </p:nvPr>
+        </p:nvSpPr>
+        <p:spPr/>
+        <p:txBody>
+          <a:bodyPr/>
+          <a:lstStyle/>
+          <a:p>
+            <a:r>
+              <a:rPr lang="bg-BG" dirty="0" smtClean="0"/>
+              <a:t>Система за контрол на </a:t>
+            </a:r>
+            <a:r>
+              <a:rPr lang="bg-BG" dirty="0" err="1" smtClean="0"/>
+              <a:t>версийте</a:t>
+            </a:r>
+            <a:endParaRPr lang="bg-BG" dirty="0"/>
+          </a:p>
+        </p:txBody>
+      </p:sp>
+      <p:sp>
+        <p:nvSpPr>
+          <p:cNvPr id="3" name="Content Placeholder 2"/>
+          <p:cNvSpPr>
+            <a:spLocks noGrp="1"/>
+          </p:cNvSpPr>
+          <p:nvPr>
+            <p:ph idx="1"/>
+          </p:nvPr>
+        </p:nvSpPr>
+        <p:spPr>
+          <a:xfrm>
+            <a:off x="0" y="4191000"/>
+            <a:ext cx="12192000" cy="2468880"/>
+          </a:xfrm>
+        </p:spPr>
+        <p:txBody>
+          <a:bodyPr>
+            <a:normAutofit fontScale="92500"/>
+          </a:bodyPr>
+          <a:lstStyle/>
+          <a:p>
+            <a:r>
+              <a:rPr lang="bg-BG" dirty="0"/>
+              <a:t>Избрахме </a:t>
+            </a:r>
+            <a:r>
+              <a:rPr lang="bg-BG" dirty="0" err="1"/>
+              <a:t>Git</a:t>
+            </a:r>
+            <a:r>
+              <a:rPr lang="bg-BG" dirty="0"/>
+              <a:t> защото е безплатна,</a:t>
+            </a:r>
+            <a:r>
+              <a:rPr lang="en-US" dirty="0"/>
+              <a:t>open source</a:t>
+            </a:r>
+            <a:r>
+              <a:rPr lang="bg-BG" dirty="0"/>
+              <a:t> и има изградена общност от потребители и интеграция, с почти всички среди за разработка(</a:t>
+            </a:r>
+            <a:r>
+              <a:rPr lang="bg-BG" dirty="0" err="1"/>
+              <a:t>IDEs</a:t>
+            </a:r>
+            <a:r>
+              <a:rPr lang="bg-BG" dirty="0"/>
+              <a:t>). При </a:t>
+            </a:r>
+            <a:r>
+              <a:rPr lang="bg-BG" dirty="0" err="1"/>
+              <a:t>Git</a:t>
+            </a:r>
+            <a:r>
+              <a:rPr lang="bg-BG" dirty="0"/>
+              <a:t> всеки разработчик работи върху свое работно копие на цялото хранилище. Позволява създаване и сравняване на  различни версии на приложението и да връщането към предишни версии при нужда което гарантира, че кодът е актуален и работи коректно. </a:t>
+            </a:r>
+            <a:r>
+              <a:rPr lang="bg-BG" dirty="0" err="1"/>
+              <a:t>Git</a:t>
+            </a:r>
+            <a:r>
+              <a:rPr lang="bg-BG" dirty="0"/>
+              <a:t> позволява също така разработчиците да работят заедно в реално време върху същия код и да го споделят с помежду си. Малък е и бърз почти всички операции са фокусирани локално, което дава огромно предимство в скоростта на изпълнение на командите, за разлика например от централизираните системи, при които е необходима комуникация със сървъра. Представител  е  на  клона  системи  за  контрол  на  версиите, базирани  на децентрализирано хранилище.</a:t>
+            </a:r>
+          </a:p>
+        </p:txBody>
+      </p:sp>
+      <p:pic>
+        <p:nvPicPr>
+          <p:cNvPr id="2050" name="Picture 2" descr="File:Git-logo.svg - Wikimedia Commons"/>
+          <p:cNvPicPr>
+            <a:picLocks noChangeAspect="1" noChangeArrowheads="1"/>
+          </p:cNvPicPr>
+          <p:nvPr/>
+        </p:nvPicPr>
+        <p:blipFill>
+          <a:blip r:embed="rId2">
+            <a:extLst>
+              <a:ext uri="{28A0092B-C50C-407E-A947-70E740481C1C}">
+                <a14:useLocalDpi xmlns:a14="http://schemas.microsoft.com/office/drawing/2010/main" val="0"/>
+              </a:ext>
+            </a:extLst>
+          </a:blip>
+          <a:srcRect/>
+          <a:stretch>
+            <a:fillRect/>
+          </a:stretch>
+        </p:blipFill>
+        <p:spPr bwMode="auto">
+          <a:xfrm>
+            <a:off x="643255" y="2108535"/>
+            <a:ext cx="4416425" cy="1845928"/>
+          </a:xfrm>
+          <a:prstGeom prst="rect">
+            <a:avLst/>
+          </a:prstGeom>
+          <a:noFill/>
+          <a:extLst>
+            <a:ext uri="{909E8E84-426E-40DD-AFC4-6F175D3DCCD1}">
+              <a14:hiddenFill xmlns:a14="http://schemas.microsoft.com/office/drawing/2010/main">
+                <a:solidFill>
+                  <a:srgbClr val="FFFFFF"/>
+                </a:solidFill>
+              </a14:hiddenFill>
+            </a:ext>
+          </a:extLst>
+        </p:spPr>
+      </p:pic>
+    </p:spTree>
+    <p:extLst>
+      <p:ext uri="{BB962C8B-B14F-4D97-AF65-F5344CB8AC3E}">
+        <p14:creationId xmlns:p14="http://schemas.microsoft.com/office/powerpoint/2010/main" val="1107826469"/>
+      </p:ext>
+    </p:extLst>
+  </p:cSld>
+  <p:clrMapOvr>
+    <a:masterClrMapping/>
+  </p:clrMapOvr>
+</p:sld>
+</file>
+
+<file path=ppt/slides/slide8.xml><?xml version="1.0" encoding="utf-8"?>
+<p:sld xmlns:a="http://schemas.openxmlformats.org/drawingml/2006/main" xmlns:r="http://schemas.openxmlformats.org/officeDocument/2006/relationships" xmlns:p="http://schemas.openxmlformats.org/presentationml/2006/main">
+  <p:cSld>
+    <p:spTree>
+      <p:nvGrpSpPr>
+        <p:cNvPr id="1" name=""/>
+        <p:cNvGrpSpPr/>
+        <p:nvPr/>
+      </p:nvGrpSpPr>
+      <p:grpSpPr>
+        <a:xfrm>
+          <a:off x="0" y="0"/>
+          <a:ext cx="0" cy="0"/>
+          <a:chOff x="0" y="0"/>
+          <a:chExt cx="0" cy="0"/>
+        </a:xfrm>
+      </p:grpSpPr>
+      <p:sp>
+        <p:nvSpPr>
+          <p:cNvPr id="2" name="Title 1"/>
+          <p:cNvSpPr>
+            <a:spLocks noGrp="1"/>
+          </p:cNvSpPr>
+          <p:nvPr>
+            <p:ph type="title"/>
+          </p:nvPr>
+        </p:nvSpPr>
+        <p:spPr/>
+        <p:txBody>
+          <a:bodyPr/>
+          <a:lstStyle/>
+          <a:p>
+            <a:endParaRPr lang="bg-BG"/>
+          </a:p>
+        </p:txBody>
+      </p:sp>
+      <p:pic>
+        <p:nvPicPr>
+          <p:cNvPr id="5" name="Content Placeholder 4"/>
+          <p:cNvPicPr>
+            <a:picLocks noGrp="1" noChangeAspect="1"/>
+          </p:cNvPicPr>
+          <p:nvPr>
+            <p:ph idx="1"/>
+          </p:nvPr>
+        </p:nvPicPr>
+        <p:blipFill>
+          <a:blip r:embed="rId2"/>
+          <a:stretch>
+            <a:fillRect/>
+          </a:stretch>
+        </p:blipFill>
+        <p:spPr>
+          <a:xfrm>
+            <a:off x="5498859" y="335280"/>
+            <a:ext cx="6447756" cy="3227290"/>
+          </a:xfrm>
+          <a:prstGeom prst="rect">
+            <a:avLst/>
+          </a:prstGeom>
+        </p:spPr>
+      </p:pic>
+      <p:pic>
+        <p:nvPicPr>
+          <p:cNvPr id="4" name="Picture 3"/>
+          <p:cNvPicPr/>
+          <p:nvPr/>
+        </p:nvPicPr>
+        <p:blipFill>
+          <a:blip r:embed="rId3"/>
+          <a:stretch>
+            <a:fillRect/>
+          </a:stretch>
+        </p:blipFill>
+        <p:spPr>
+          <a:xfrm>
+            <a:off x="426720" y="335280"/>
+            <a:ext cx="4846320" cy="6033135"/>
+          </a:xfrm>
+          <a:prstGeom prst="rect">
+            <a:avLst/>
+          </a:prstGeom>
+        </p:spPr>
+      </p:pic>
+      <p:pic>
+        <p:nvPicPr>
+          <p:cNvPr id="6" name="Picture 5"/>
+          <p:cNvPicPr/>
+          <p:nvPr/>
+        </p:nvPicPr>
+        <p:blipFill>
+          <a:blip r:embed="rId4"/>
+          <a:stretch>
+            <a:fillRect/>
+          </a:stretch>
+        </p:blipFill>
+        <p:spPr>
+          <a:xfrm>
+            <a:off x="5842377" y="4172267"/>
+            <a:ext cx="5760720" cy="2210435"/>
+          </a:xfrm>
+          <a:prstGeom prst="rect">
+            <a:avLst/>
+          </a:prstGeom>
+        </p:spPr>
+      </p:pic>
+    </p:spTree>
+    <p:extLst>
+      <p:ext uri="{BB962C8B-B14F-4D97-AF65-F5344CB8AC3E}">
+        <p14:creationId xmlns:p14="http://schemas.microsoft.com/office/powerpoint/2010/main" val="2391187746"/>
+      </p:ext>
+    </p:extLst>
+  </p:cSld>
+  <p:clrMapOvr>
+    <a:masterClrMapping/>
+  </p:clrMapOvr>
+</p:sld>
+</file>
+
+<file path=ppt/slides/slide9.xml><?xml version="1.0" encoding="utf-8"?>
+<p:sld xmlns:a="http://schemas.openxmlformats.org/drawingml/2006/main" xmlns:r="http://schemas.openxmlformats.org/officeDocument/2006/relationships" xmlns:p="http://schemas.openxmlformats.org/presentationml/2006/main">
+  <p:cSld>
+    <p:spTree>
+      <p:nvGrpSpPr>
+        <p:cNvPr id="1" name=""/>
+        <p:cNvGrpSpPr/>
+        <p:nvPr/>
+      </p:nvGrpSpPr>
+      <p:grpSpPr>
+        <a:xfrm>
+          <a:off x="0" y="0"/>
+          <a:ext cx="0" cy="0"/>
+          <a:chOff x="0" y="0"/>
+          <a:chExt cx="0" cy="0"/>
+        </a:xfrm>
+      </p:grpSpPr>
+      <p:sp>
+        <p:nvSpPr>
+          <p:cNvPr id="2" name="Title 1"/>
+          <p:cNvSpPr>
+            <a:spLocks noGrp="1"/>
+          </p:cNvSpPr>
+          <p:nvPr>
+            <p:ph type="title"/>
+          </p:nvPr>
+        </p:nvSpPr>
+        <p:spPr/>
+        <p:txBody>
+          <a:bodyPr/>
+          <a:lstStyle/>
+          <a:p>
+            <a:r>
+              <a:rPr lang="bg-BG" dirty="0" smtClean="0"/>
+              <a:t>Избор на програмни средства за разработка</a:t>
+            </a:r>
+            <a:endParaRPr lang="bg-BG" dirty="0"/>
+          </a:p>
+        </p:txBody>
+      </p:sp>
+      <p:sp>
+        <p:nvSpPr>
+          <p:cNvPr id="3" name="Content Placeholder 2"/>
+          <p:cNvSpPr>
+            <a:spLocks noGrp="1"/>
+          </p:cNvSpPr>
+          <p:nvPr>
+            <p:ph idx="1"/>
+          </p:nvPr>
+        </p:nvSpPr>
+        <p:spPr>
+          <a:xfrm>
+            <a:off x="144779" y="4870162"/>
+            <a:ext cx="11902440" cy="1987838"/>
+          </a:xfrm>
+        </p:spPr>
+        <p:txBody>
+          <a:bodyPr>
+            <a:normAutofit/>
+          </a:bodyPr>
+          <a:lstStyle/>
+          <a:p>
+            <a:r>
+              <a:rPr lang="bg-BG" dirty="0"/>
+              <a:t>Изборът на програмни средства за реализацията на онлайн приложение за продажба на автомобили е важна стъпка за постигане на успеха на проекта. Ето някои разяснения за избора на конкретни програмни езици, интегрирани среди за разработка (IDE) и технологии за </a:t>
+            </a:r>
+            <a:r>
+              <a:rPr lang="bg-BG" dirty="0" err="1"/>
+              <a:t>front-end</a:t>
+            </a:r>
+            <a:r>
+              <a:rPr lang="bg-BG" dirty="0"/>
+              <a:t> и </a:t>
+            </a:r>
+            <a:r>
+              <a:rPr lang="bg-BG" dirty="0" err="1"/>
+              <a:t>back-end</a:t>
+            </a:r>
+            <a:r>
+              <a:rPr lang="bg-BG" dirty="0"/>
+              <a:t> разработка</a:t>
+            </a:r>
+            <a:r>
+              <a:rPr lang="bg-BG" dirty="0" smtClean="0"/>
+              <a:t>:</a:t>
+            </a:r>
+            <a:endParaRPr lang="bg-BG" dirty="0"/>
+          </a:p>
+        </p:txBody>
+      </p:sp>
+      <p:pic>
+        <p:nvPicPr>
+          <p:cNvPr id="3074" name="Picture 2" descr="Logo Html Html5 - Free image on Pixabay"/>
+          <p:cNvPicPr>
+            <a:picLocks noChangeAspect="1" noChangeArrowheads="1"/>
+          </p:cNvPicPr>
+          <p:nvPr/>
+        </p:nvPicPr>
+        <p:blipFill>
+          <a:blip r:embed="rId2" cstate="print">
+            <a:extLst>
+              <a:ext uri="{28A0092B-C50C-407E-A947-70E740481C1C}">
+                <a14:useLocalDpi xmlns:a14="http://schemas.microsoft.com/office/drawing/2010/main" val="0"/>
+              </a:ext>
+            </a:extLst>
+          </a:blip>
+          <a:srcRect/>
+          <a:stretch>
+            <a:fillRect/>
+          </a:stretch>
+        </p:blipFill>
+        <p:spPr bwMode="auto">
+          <a:xfrm>
+            <a:off x="640080" y="2400964"/>
+            <a:ext cx="2469197" cy="2469198"/>
+          </a:xfrm>
+          <a:prstGeom prst="rect">
+            <a:avLst/>
+          </a:prstGeom>
+          <a:noFill/>
+          <a:extLst>
+            <a:ext uri="{909E8E84-426E-40DD-AFC4-6F175D3DCCD1}">
+              <a14:hiddenFill xmlns:a14="http://schemas.microsoft.com/office/drawing/2010/main">
+                <a:solidFill>
+                  <a:srgbClr val="FFFFFF"/>
+                </a:solidFill>
+              </a14:hiddenFill>
+            </a:ext>
+          </a:extLst>
+        </p:spPr>
+      </p:pic>
+      <p:sp>
+        <p:nvSpPr>
+          <p:cNvPr id="5" name="AutoShape 10" descr="File:Logo jQuery.svg - Wikimedia Commons"/>
+          <p:cNvSpPr>
+            <a:spLocks noChangeAspect="1" noChangeArrowheads="1"/>
+          </p:cNvSpPr>
+          <p:nvPr/>
+        </p:nvSpPr>
+        <p:spPr bwMode="auto">
+          <a:xfrm>
+            <a:off x="5093335" y="3330762"/>
+            <a:ext cx="304800" cy="304801"/>
+          </a:xfrm>
+          <a:prstGeom prst="rect">
+            <a:avLst/>
+          </a:prstGeom>
+          <a:noFill/>
+          <a:extLst>
+            <a:ext uri="{909E8E84-426E-40DD-AFC4-6F175D3DCCD1}">
+              <a14:hiddenFill xmlns:a14="http://schemas.microsoft.com/office/drawing/2010/main">
+                <a:solidFill>
+                  <a:srgbClr val="FFFFFF"/>
+                </a:solidFill>
+              </a14:hiddenFill>
+            </a:ext>
+          </a:extLst>
+        </p:spPr>
+        <p:txBody>
+          <a:bodyPr vert="horz" wrap="square" lIns="91440" tIns="45720" rIns="91440" bIns="45720" numCol="1" anchor="t" anchorCtr="0" compatLnSpc="1">
+            <a:prstTxWarp prst="textNoShape">
+              <a:avLst/>
+            </a:prstTxWarp>
+          </a:bodyPr>
+          <a:lstStyle/>
+          <a:p>
+            <a:endParaRPr lang="bg-BG"/>
+          </a:p>
+        </p:txBody>
+      </p:sp>
+      <p:pic>
+        <p:nvPicPr>
+          <p:cNvPr id="3084" name="Picture 12" descr="Jquery Logo png images | PNGEgg"/>
+          <p:cNvPicPr>
+            <a:picLocks noChangeAspect="1" noChangeArrowheads="1"/>
+          </p:cNvPicPr>
+          <p:nvPr/>
+        </p:nvPicPr>
+        <p:blipFill>
+          <a:blip r:embed="rId3" cstate="print">
+            <a:extLst>
+              <a:ext uri="{28A0092B-C50C-407E-A947-70E740481C1C}">
+                <a14:useLocalDpi xmlns:a14="http://schemas.microsoft.com/office/drawing/2010/main" val="0"/>
+              </a:ext>
+            </a:extLst>
+          </a:blip>
+          <a:srcRect/>
+          <a:stretch>
+            <a:fillRect/>
+          </a:stretch>
+        </p:blipFill>
+        <p:spPr bwMode="auto">
+          <a:xfrm>
+            <a:off x="5034264" y="2678936"/>
+            <a:ext cx="2123469" cy="2123469"/>
+          </a:xfrm>
+          <a:prstGeom prst="rect">
+            <a:avLst/>
+          </a:prstGeom>
+          <a:noFill/>
+          <a:extLst>
+            <a:ext uri="{909E8E84-426E-40DD-AFC4-6F175D3DCCD1}">
+              <a14:hiddenFill xmlns:a14="http://schemas.microsoft.com/office/drawing/2010/main">
+                <a:solidFill>
+                  <a:srgbClr val="FFFFFF"/>
+                </a:solidFill>
+              </a14:hiddenFill>
+            </a:ext>
+          </a:extLst>
+        </p:spPr>
+      </p:pic>
+      <p:pic>
+        <p:nvPicPr>
+          <p:cNvPr id="3088" name="Picture 16" descr="Файл:PHP-logo.svg – Уикипедия"/>
+          <p:cNvPicPr>
+            <a:picLocks noChangeAspect="1" noChangeArrowheads="1"/>
+          </p:cNvPicPr>
+          <p:nvPr/>
+        </p:nvPicPr>
+        <p:blipFill>
+          <a:blip r:embed="rId4" cstate="print">
+            <a:extLst>
+              <a:ext uri="{28A0092B-C50C-407E-A947-70E740481C1C}">
+                <a14:useLocalDpi xmlns:a14="http://schemas.microsoft.com/office/drawing/2010/main" val="0"/>
+              </a:ext>
+            </a:extLst>
+          </a:blip>
+          <a:srcRect/>
+          <a:stretch>
+            <a:fillRect/>
+          </a:stretch>
+        </p:blipFill>
+        <p:spPr bwMode="auto">
+          <a:xfrm>
+            <a:off x="8598535" y="2829806"/>
+            <a:ext cx="3146425" cy="1699807"/>
+          </a:xfrm>
+          <a:prstGeom prst="rect">
+            <a:avLst/>
+          </a:prstGeom>
+          <a:noFill/>
+          <a:extLst>
+            <a:ext uri="{909E8E84-426E-40DD-AFC4-6F175D3DCCD1}">
+              <a14:hiddenFill xmlns:a14="http://schemas.microsoft.com/office/drawing/2010/main">
+                <a:solidFill>
+                  <a:srgbClr val="FFFFFF"/>
+                </a:solidFill>
+              </a14:hiddenFill>
+            </a:ext>
+          </a:extLst>
+        </p:spPr>
+      </p:pic>
+    </p:spTree>
+    <p:extLst>
+      <p:ext uri="{BB962C8B-B14F-4D97-AF65-F5344CB8AC3E}">
+        <p14:creationId xmlns:p14="http://schemas.microsoft.com/office/powerpoint/2010/main" val="3113945435"/>
       </p:ext>
     </p:extLst>
   </p:cSld>
